--- a/Day3- Collections/Day3-Collections.pptx
+++ b/Day3- Collections/Day3-Collections.pptx
@@ -111,6 +111,11 @@
       </a:defRPr>
     </a:lvl9pPr>
   </p:defaultTextStyle>
+  <p:extLst>
+    <p:ext uri="{EFAFB233-063F-42B5-8137-9DF3F51BA10A}">
+      <p15:sldGuideLst xmlns:p15="http://schemas.microsoft.com/office/powerpoint/2012/main"/>
+    </p:ext>
+  </p:extLst>
 </p:presentation>
 </file>
 
@@ -253,7 +258,7 @@
           <a:p>
             <a:fld id="{14D11C17-975D-4025-9ABD-3098924E39AC}" type="datetimeFigureOut">
               <a:rPr lang="en-IN" smtClean="0"/>
-              <a:t>12-03-2025</a:t>
+              <a:t>13-03-2025</a:t>
             </a:fld>
             <a:endParaRPr lang="en-IN"/>
           </a:p>
@@ -464,7 +469,7 @@
           <a:p>
             <a:fld id="{14D11C17-975D-4025-9ABD-3098924E39AC}" type="datetimeFigureOut">
               <a:rPr lang="en-IN" smtClean="0"/>
-              <a:t>12-03-2025</a:t>
+              <a:t>13-03-2025</a:t>
             </a:fld>
             <a:endParaRPr lang="en-IN"/>
           </a:p>
@@ -679,7 +684,7 @@
           <a:p>
             <a:fld id="{14D11C17-975D-4025-9ABD-3098924E39AC}" type="datetimeFigureOut">
               <a:rPr lang="en-IN" smtClean="0"/>
-              <a:t>12-03-2025</a:t>
+              <a:t>13-03-2025</a:t>
             </a:fld>
             <a:endParaRPr lang="en-IN"/>
           </a:p>
@@ -880,7 +885,7 @@
           <a:p>
             <a:fld id="{14D11C17-975D-4025-9ABD-3098924E39AC}" type="datetimeFigureOut">
               <a:rPr lang="en-IN" smtClean="0"/>
-              <a:t>12-03-2025</a:t>
+              <a:t>13-03-2025</a:t>
             </a:fld>
             <a:endParaRPr lang="en-IN"/>
           </a:p>
@@ -1159,7 +1164,7 @@
           <a:p>
             <a:fld id="{14D11C17-975D-4025-9ABD-3098924E39AC}" type="datetimeFigureOut">
               <a:rPr lang="en-IN" smtClean="0"/>
-              <a:t>12-03-2025</a:t>
+              <a:t>13-03-2025</a:t>
             </a:fld>
             <a:endParaRPr lang="en-IN"/>
           </a:p>
@@ -1427,7 +1432,7 @@
           <a:p>
             <a:fld id="{14D11C17-975D-4025-9ABD-3098924E39AC}" type="datetimeFigureOut">
               <a:rPr lang="en-IN" smtClean="0"/>
-              <a:t>12-03-2025</a:t>
+              <a:t>13-03-2025</a:t>
             </a:fld>
             <a:endParaRPr lang="en-IN"/>
           </a:p>
@@ -1843,7 +1848,7 @@
           <a:p>
             <a:fld id="{14D11C17-975D-4025-9ABD-3098924E39AC}" type="datetimeFigureOut">
               <a:rPr lang="en-IN" smtClean="0"/>
-              <a:t>12-03-2025</a:t>
+              <a:t>13-03-2025</a:t>
             </a:fld>
             <a:endParaRPr lang="en-IN"/>
           </a:p>
@@ -1992,7 +1997,7 @@
           <a:p>
             <a:fld id="{14D11C17-975D-4025-9ABD-3098924E39AC}" type="datetimeFigureOut">
               <a:rPr lang="en-IN" smtClean="0"/>
-              <a:t>12-03-2025</a:t>
+              <a:t>13-03-2025</a:t>
             </a:fld>
             <a:endParaRPr lang="en-IN"/>
           </a:p>
@@ -2118,7 +2123,7 @@
           <a:p>
             <a:fld id="{14D11C17-975D-4025-9ABD-3098924E39AC}" type="datetimeFigureOut">
               <a:rPr lang="en-IN" smtClean="0"/>
-              <a:t>12-03-2025</a:t>
+              <a:t>13-03-2025</a:t>
             </a:fld>
             <a:endParaRPr lang="en-IN"/>
           </a:p>
@@ -2369,7 +2374,7 @@
           <a:p>
             <a:fld id="{14D11C17-975D-4025-9ABD-3098924E39AC}" type="datetimeFigureOut">
               <a:rPr lang="en-IN" smtClean="0"/>
-              <a:t>12-03-2025</a:t>
+              <a:t>13-03-2025</a:t>
             </a:fld>
             <a:endParaRPr lang="en-IN"/>
           </a:p>
@@ -2814,7 +2819,7 @@
           <a:p>
             <a:fld id="{14D11C17-975D-4025-9ABD-3098924E39AC}" type="datetimeFigureOut">
               <a:rPr lang="en-IN" smtClean="0"/>
-              <a:t>12-03-2025</a:t>
+              <a:t>13-03-2025</a:t>
             </a:fld>
             <a:endParaRPr lang="en-IN"/>
           </a:p>
@@ -3141,7 +3146,7 @@
           <a:p>
             <a:fld id="{14D11C17-975D-4025-9ABD-3098924E39AC}" type="datetimeFigureOut">
               <a:rPr lang="en-IN" smtClean="0"/>
-              <a:t>12-03-2025</a:t>
+              <a:t>13-03-2025</a:t>
             </a:fld>
             <a:endParaRPr lang="en-IN"/>
           </a:p>
@@ -4438,7 +4443,7 @@
         </p:nvSpPr>
         <p:spPr>
           <a:xfrm>
-            <a:off x="838200" y="1690687"/>
+            <a:off x="838200" y="1853754"/>
             <a:ext cx="10515600" cy="4486275"/>
           </a:xfrm>
         </p:spPr>
